--- a/test/fullPresentation.pptx
+++ b/test/fullPresentation.pptx
@@ -3781,7 +3781,7 @@
               <a:defRPr sz="2200"/>
             </a:pPr>
             <a:r>
-              <a:t>md2pptx Markdown To Powerpoint Converter 0.9.1 10 October, 2020</a:t>
+              <a:t>md2pptx Markdown To Powerpoint Converter 1.1 14 October, 2020</a:t>
             </a:r>
             <a:endParaRPr lang="en-US"/>
           </a:p>
@@ -3810,7 +3810,7 @@
           <a:lstStyle/>
           <a:p>
             <a:r>
-              <a:t>Presentation built: 10:10 on 11 October, 2020</a:t>
+              <a:t>Presentation built: 12:35 on 14 October, 2020</a:t>
             </a:r>
           </a:p>
           <a:p>
@@ -3822,7 +3822,7 @@
           <a:p>
             <a:pPr lvl="1"/>
             <a:r>
-              <a:t>master: Martin Master.pptx</a:t>
+              <a:t>template: Martin Template.pptx</a:t>
             </a:r>
           </a:p>
           <a:p>

--- a/test/fullPresentation.pptx
+++ b/test/fullPresentation.pptx
@@ -3781,7 +3781,7 @@
               <a:defRPr sz="2200"/>
             </a:pPr>
             <a:r>
-              <a:t>md2pptx Markdown To Powerpoint Converter 1.1 14 October, 2020</a:t>
+              <a:t>md2pptx Markdown To Powerpoint Converter 1.1 15 October, 2020</a:t>
             </a:r>
             <a:endParaRPr lang="en-US"/>
           </a:p>
@@ -3810,7 +3810,7 @@
           <a:lstStyle/>
           <a:p>
             <a:r>
-              <a:t>Presentation built: 12:35 on 14 October, 2020</a:t>
+              <a:t>Presentation built: 16:04 on 15 October, 2020</a:t>
             </a:r>
           </a:p>
           <a:p>

--- a/test/fullPresentation.pptx
+++ b/test/fullPresentation.pptx
@@ -213,7 +213,7 @@
           <a:p>
             <a:fld id="{7ABD78BF-0394-D549-A535-A40133B5DC51}" type="datetimeFigureOut">
               <a:rPr lang="en-US" smtClean="0"/>
-              <a:t>4/5/20</a:t>
+              <a:t>2/28/22</a:t>
             </a:fld>
             <a:endParaRPr lang="en-US"/>
           </a:p>
@@ -524,13 +524,6 @@
           <a:bodyPr/>
           <a:lstStyle/>
           <a:p/>
-          <a:p>
-            <a:r>
-              <a:t>Martin Packer, IBM</a:t>
-            </a:r>
-          </a:p>
-          <a:p/>
-          <a:p/>
         </p:txBody>
       </p:sp>
       <p:sp>
@@ -597,7 +590,6 @@
           <a:bodyPr/>
           <a:lstStyle/>
           <a:p/>
-          <a:p/>
         </p:txBody>
       </p:sp>
       <p:sp>
@@ -663,9 +655,132 @@
         <p:txBody>
           <a:bodyPr/>
           <a:lstStyle/>
-          <a:p/>
-          <a:p/>
-          <a:p/>
+          <a:p>
+            <a:r>
+              <a:t>### IEAOPT</a:t>
+            </a:r>
+            <a:r>
+              <a:rPr i="1"/>
+              <a:t>xx</a:t>
+            </a:r>
+            <a:r>
+              <a:t> INITIMP=</a:t>
+            </a:r>
+            <a:br/>
+            <a:r>
+              <a:t/>
+            </a:r>
+            <a:br/>
+            <a:r>
+              <a:t/>
+            </a:r>
+            <a:r>
+              <a:rPr i="1"/>
+              <a:t> Sets Initiator Code WLM Importance</a:t>
+            </a:r>
+            <a:br/>
+            <a:r>
+              <a:rPr i="1"/>
+              <a:t/>
+            </a:r>
+            <a:r>
+              <a:t> Values are </a:t>
+            </a:r>
+            <a:r>
+              <a:rPr i="1"/>
+              <a:t>0</a:t>
+            </a:r>
+            <a:r>
+              <a:t>, </a:t>
+            </a:r>
+            <a:r>
+              <a:rPr i="1"/>
+              <a:t>1</a:t>
+            </a:r>
+            <a:r>
+              <a:t>, </a:t>
+            </a:r>
+            <a:r>
+              <a:rPr i="1"/>
+              <a:t>2</a:t>
+            </a:r>
+            <a:r>
+              <a:t>, </a:t>
+            </a:r>
+            <a:r>
+              <a:rPr i="1"/>
+              <a:t>3</a:t>
+            </a:r>
+            <a:r>
+              <a:t>, </a:t>
+            </a:r>
+            <a:r>
+              <a:rPr i="1"/>
+              <a:t>E</a:t>
+            </a:r>
+            <a:r>
+              <a:t/>
+            </a:r>
+            <a:br/>
+            <a:r>
+              <a:t>  * </a:t>
+            </a:r>
+            <a:r>
+              <a:rPr i="1"/>
+              <a:t>0</a:t>
+            </a:r>
+            <a:r>
+              <a:t> means Dispatching Priority 254 (FE)</a:t>
+            </a:r>
+            <a:br/>
+            <a:r>
+              <a:t>  * </a:t>
+            </a:r>
+            <a:r>
+              <a:rPr i="1"/>
+              <a:t>1</a:t>
+            </a:r>
+            <a:r>
+              <a:t> ,</a:t>
+            </a:r>
+            <a:r>
+              <a:rPr i="1"/>
+              <a:t>2</a:t>
+            </a:r>
+            <a:r>
+              <a:t>, or </a:t>
+            </a:r>
+            <a:r>
+              <a:rPr i="1"/>
+              <a:t>3</a:t>
+            </a:r>
+            <a:r>
+              <a:t> — Defines that the initiator dispatching priority has to be lower than the dispatching priority for CPU critical work with the same or a higher importance level</a:t>
+            </a:r>
+            <a:br/>
+            <a:r>
+              <a:t>    * If no service class with the CPU critical attribute and a corresponding or higher importance level is defined in the WLM policy, the dispatching priority is calculated in the same way as for parameter INITIMP=E</a:t>
+            </a:r>
+            <a:br/>
+            <a:r>
+              <a:t>  * </a:t>
+            </a:r>
+            <a:r>
+              <a:rPr i="1"/>
+              <a:t>E</a:t>
+            </a:r>
+            <a:r>
+              <a:t> - will be calculated in the same way as the enqueue promotion dispatching priority. The dispatching priority is calculated dynamically to ensure access to the processor. It should not impact high importance work; however, there is no guarantee that CPU critical work will always have a higher dispatching priority.</a:t>
+            </a:r>
+            <a:br/>
+            <a:r>
+              <a:t/>
+            </a:r>
+            <a:r>
+              <a:rPr i="1"/>
+              <a:t> SMF30ICU helps size this CPU requirement</a:t>
+            </a:r>
+          </a:p>
         </p:txBody>
       </p:sp>
       <p:sp>
@@ -731,9 +846,11 @@
         <p:txBody>
           <a:bodyPr/>
           <a:lstStyle/>
-          <a:p/>
-          <a:p/>
-          <a:p/>
+          <a:p>
+            <a:r>
+              <a:t>### Percentile Goal Transaction Ending Buckets</a:t>
+            </a:r>
+          </a:p>
         </p:txBody>
       </p:sp>
       <p:sp>
@@ -799,8 +916,158 @@
         <p:txBody>
           <a:bodyPr/>
           <a:lstStyle/>
-          <a:p/>
-          <a:p/>
+          <a:p>
+            <a:r>
+              <a:t>### Service Class Periods</a:t>
+            </a:r>
+            <a:br/>
+            <a:r>
+              <a:t/>
+            </a:r>
+            <a:br/>
+            <a:r>
+              <a:t/>
+            </a:r>
+            <a:r>
+              <a:rPr i="1"/>
+              <a:t> "Transactions" accumulate </a:t>
+            </a:r>
+            <a:r>
+              <a:rPr>
+                <a:solidFill>
+                  <a:srgbClr val="0000FF"/>
+                </a:solidFill>
+              </a:rPr>
+              <a:t>service</a:t>
+            </a:r>
+            <a:r>
+              <a:rPr i="1"/>
+              <a:t/>
+            </a:r>
+            <a:br/>
+            <a:r>
+              <a:rPr i="1"/>
+              <a:t>    * Transactions can be eg DDF transactions, but also batch jobs</a:t>
+            </a:r>
+            <a:br/>
+            <a:r>
+              <a:rPr i="1"/>
+              <a:t/>
+            </a:r>
+            <a:r>
+              <a:t> Service is typically </a:t>
+            </a:r>
+            <a:r>
+              <a:rPr>
+                <a:solidFill>
+                  <a:srgbClr val="0000FF"/>
+                </a:solidFill>
+              </a:rPr>
+              <a:t>CPU</a:t>
+            </a:r>
+            <a:r>
+              <a:t/>
+            </a:r>
+            <a:br/>
+            <a:r>
+              <a:t/>
+            </a:r>
+            <a:r>
+              <a:rPr i="1"/>
+              <a:t> Transactions start in Period 1</a:t>
+            </a:r>
+            <a:br/>
+            <a:r>
+              <a:rPr i="1"/>
+              <a:t/>
+            </a:r>
+            <a:r>
+              <a:t> When a transaction's service exceeds the </a:t>
+            </a:r>
+            <a:r>
+              <a:rPr>
+                <a:solidFill>
+                  <a:srgbClr val="0000FF"/>
+                </a:solidFill>
+              </a:rPr>
+              <a:t>duration</a:t>
+            </a:r>
+            <a:r>
+              <a:t> for Period 1 it switches to Period 2</a:t>
+            </a:r>
+            <a:br/>
+            <a:r>
+              <a:t>    * Duration is </a:t>
+            </a:r>
+            <a:r>
+              <a:rPr b="1"/>
+              <a:t>not</a:t>
+            </a:r>
+            <a:r>
+              <a:t> Elapsed Time</a:t>
+            </a:r>
+            <a:br/>
+            <a:r>
+              <a:t>    * Likewise from Period 2 to Period 3</a:t>
+            </a:r>
+            <a:br/>
+            <a:r>
+              <a:t/>
+            </a:r>
+            <a:r>
+              <a:rPr i="1"/>
+              <a:t> Each Service Class period can have its own goal</a:t>
+            </a:r>
+            <a:br/>
+            <a:r>
+              <a:rPr i="1"/>
+              <a:t>    * Usually later periods' goals have progressively lower importances</a:t>
+            </a:r>
+            <a:br/>
+            <a:r>
+              <a:rPr i="1"/>
+              <a:t>        * And progressively more relaxed response time targets</a:t>
+            </a:r>
+            <a:br/>
+            <a:r>
+              <a:rPr i="1"/>
+              <a:t/>
+            </a:r>
+            <a:br/>
+            <a:r>
+              <a:rPr i="1"/>
+              <a:t/>
+            </a:r>
+            <a:r>
+              <a:t> RMF reports comprehensively on each Service Class period</a:t>
+            </a:r>
+            <a:br/>
+            <a:r>
+              <a:t>    * In Workload Activity Report (SMF 72)</a:t>
+            </a:r>
+            <a:br/>
+            <a:r>
+              <a:t/>
+            </a:r>
+            <a:r>
+              <a:rPr i="1"/>
+              <a:t> </a:t>
+            </a:r>
+            <a:r>
+              <a:t/>
+            </a:r>
+            <a:r>
+              <a:rPr i="1"/>
+              <a:t>Note:</a:t>
+            </a:r>
+            <a:r>
+              <a:t/>
+            </a:r>
+            <a:r>
+              <a:rPr i="1"/>
+              <a:t> CICS and IMS transactions cannot have multi-period goals</a:t>
+            </a:r>
+          </a:p>
         </p:txBody>
       </p:sp>
       <p:sp>
@@ -960,7 +1227,7 @@
           <a:p>
             <a:fld id="{23133D12-CE5E-6B41-8E9D-91EDFBAFC85F}" type="datetime1">
               <a:rPr lang="en-GB" smtClean="0"/>
-              <a:t>05/04/2020</a:t>
+              <a:t>28/02/2022</a:t>
             </a:fld>
             <a:endParaRPr lang="en-US"/>
           </a:p>
@@ -1133,7 +1400,7 @@
           <a:p>
             <a:fld id="{305404EF-A919-EC45-85DB-57CE605E88BB}" type="datetime1">
               <a:rPr lang="en-GB" smtClean="0"/>
-              <a:t>05/04/2020</a:t>
+              <a:t>28/02/2022</a:t>
             </a:fld>
             <a:endParaRPr lang="en-US"/>
           </a:p>
@@ -1316,7 +1583,7 @@
           <a:p>
             <a:fld id="{69EC58A9-E6BC-7F41-94AC-B8DAC026E873}" type="datetime1">
               <a:rPr lang="en-GB" smtClean="0"/>
-              <a:t>05/04/2020</a:t>
+              <a:t>28/02/2022</a:t>
             </a:fld>
             <a:endParaRPr lang="en-US"/>
           </a:p>
@@ -1409,8 +1676,8 @@
         </p:nvSpPr>
         <p:spPr>
           <a:xfrm>
-            <a:off x="831850" y="1709738"/>
-            <a:ext cx="10515600" cy="2852737"/>
+            <a:off x="831850" y="1709739"/>
+            <a:ext cx="10515600" cy="2181542"/>
           </a:xfrm>
         </p:spPr>
         <p:txBody>
@@ -1566,7 +1833,7 @@
           <a:p>
             <a:fld id="{F0A73D1F-7830-B741-BC96-A837CBC9E079}" type="datetime1">
               <a:rPr lang="en-GB" smtClean="0"/>
-              <a:t>05/04/2020</a:t>
+              <a:t>28/02/2022</a:t>
             </a:fld>
             <a:endParaRPr lang="en-US"/>
           </a:p>
@@ -1766,7 +2033,7 @@
           <a:p>
             <a:fld id="{7BEC13FA-6531-0245-A446-9EAD81E0D53B}" type="datetime1">
               <a:rPr lang="en-GB" smtClean="0"/>
-              <a:t>05/04/2020</a:t>
+              <a:t>28/02/2022</a:t>
             </a:fld>
             <a:endParaRPr lang="en-US"/>
           </a:p>
@@ -2000,7 +2267,7 @@
           <a:p>
             <a:fld id="{DEE6DD8A-E471-384F-883D-F219A186BE0F}" type="datetime1">
               <a:rPr lang="en-GB" smtClean="0"/>
-              <a:t>05/04/2020</a:t>
+              <a:t>28/02/2022</a:t>
             </a:fld>
             <a:endParaRPr lang="en-US"/>
           </a:p>
@@ -2370,7 +2637,7 @@
           <a:p>
             <a:fld id="{FC2C274D-85F4-2344-8F58-DEA89BF0D7C7}" type="datetime1">
               <a:rPr lang="en-GB" smtClean="0"/>
-              <a:t>05/04/2020</a:t>
+              <a:t>28/02/2022</a:t>
             </a:fld>
             <a:endParaRPr lang="en-US"/>
           </a:p>
@@ -2491,7 +2758,7 @@
           <a:p>
             <a:fld id="{8686350E-419E-7C4C-BD45-32442656A010}" type="datetime1">
               <a:rPr lang="en-GB" smtClean="0"/>
-              <a:t>05/04/2020</a:t>
+              <a:t>28/02/2022</a:t>
             </a:fld>
             <a:endParaRPr lang="en-US"/>
           </a:p>
@@ -2589,7 +2856,7 @@
           <a:p>
             <a:fld id="{C2B231B4-F3B9-2E43-AEE7-50097B5E42D8}" type="datetime1">
               <a:rPr lang="en-GB" smtClean="0"/>
-              <a:t>05/04/2020</a:t>
+              <a:t>28/02/2022</a:t>
             </a:fld>
             <a:endParaRPr lang="en-US"/>
           </a:p>
@@ -2869,7 +3136,7 @@
           <a:p>
             <a:fld id="{BA606DA0-7E1E-D24A-B31F-F1C778CBD10F}" type="datetime1">
               <a:rPr lang="en-GB" smtClean="0"/>
-              <a:t>05/04/2020</a:t>
+              <a:t>28/02/2022</a:t>
             </a:fld>
             <a:endParaRPr lang="en-US"/>
           </a:p>
@@ -3129,7 +3396,7 @@
           <a:p>
             <a:fld id="{9DF9E593-3AEE-9148-B659-A83BC92509F8}" type="datetime1">
               <a:rPr lang="en-GB" smtClean="0"/>
-              <a:t>05/04/2020</a:t>
+              <a:t>28/02/2022</a:t>
             </a:fld>
             <a:endParaRPr lang="en-US"/>
           </a:p>
@@ -3343,7 +3610,7 @@
           <a:p>
             <a:fld id="{B4F538D9-71E6-DF45-AEE6-3D5D1058FDA2}" type="datetime1">
               <a:rPr lang="en-GB" smtClean="0"/>
-              <a:t>05/04/2020</a:t>
+              <a:t>28/02/2022</a:t>
             </a:fld>
             <a:endParaRPr lang="en-US"/>
           </a:p>
@@ -3757,7 +4024,13 @@
       </p:grpSpPr>
       <p:sp>
         <p:nvSpPr>
-          <p:cNvPr id="2" name="Title 1"/>
+          <p:cNvPr id="5" name="Title 4">
+            <a:extLst>
+              <a:ext uri="{FF2B5EF4-FFF2-40B4-BE49-F238E27FC236}">
+                <a16:creationId xmlns:a16="http://schemas.microsoft.com/office/drawing/2014/main" id="{B5992BF2-46A2-1C46-85E4-A27A855604B8}"/>
+              </a:ext>
+            </a:extLst>
+          </p:cNvPr>
           <p:cNvSpPr>
             <a:spLocks noGrp="1"/>
           </p:cNvSpPr>
@@ -3768,116 +4041,24 @@
         <p:spPr>
           <a:xfrm>
             <a:off x="182880" y="182880"/>
-            <a:ext cx="11826240" cy="279400"/>
+            <a:ext cx="11826240" cy="558800"/>
           </a:xfrm>
         </p:spPr>
         <p:txBody>
-          <a:bodyPr anchor="t">
-            <a:normAutofit/>
-          </a:bodyPr>
+          <a:bodyPr anchor="t"/>
           <a:lstStyle/>
           <a:p>
             <a:pPr>
               <a:defRPr sz="2200"/>
             </a:pPr>
             <a:r>
-              <a:t>md2pptx Markdown To Powerpoint Converter 1.1 15 October, 2020</a:t>
-            </a:r>
-            <a:endParaRPr lang="en-US"/>
-          </a:p>
-        </p:txBody>
-      </p:sp>
-      <p:sp>
-        <p:nvSpPr>
-          <p:cNvPr id="3" name="Content Placeholder 2"/>
-          <p:cNvSpPr>
-            <a:spLocks noGrp="1"/>
-          </p:cNvSpPr>
-          <p:nvPr>
-            <p:ph idx="1"/>
-          </p:nvPr>
-        </p:nvSpPr>
-        <p:spPr>
-          <a:xfrm>
-            <a:off x="2152650" y="914400"/>
-            <a:ext cx="7886700" cy="383182"/>
-          </a:xfrm>
-        </p:spPr>
-        <p:txBody>
-          <a:bodyPr>
-            <a:normAutofit fontScale="85000" lnSpcReduction="20000"/>
-          </a:bodyPr>
-          <a:lstStyle/>
-          <a:p>
-            <a:r>
-              <a:t>Presentation built: 16:04 on 15 October, 2020</a:t>
-            </a:r>
-          </a:p>
-          <a:p>
-            <a:pPr/>
-            <a:r>
-              <a:t>Metadata:</a:t>
-            </a:r>
-          </a:p>
-          <a:p>
-            <a:pPr lvl="1"/>
-            <a:r>
-              <a:t>template: Martin Template.pptx</a:t>
-            </a:r>
-          </a:p>
-          <a:p>
-            <a:pPr lvl="1"/>
-            <a:r>
-              <a:t>pageTitleSize: 22</a:t>
-            </a:r>
-          </a:p>
-          <a:p>
-            <a:pPr lvl="1"/>
-            <a:r>
-              <a:t>sectionTitleSize: 30</a:t>
-            </a:r>
-          </a:p>
-          <a:p>
-            <a:pPr lvl="1"/>
-            <a:r>
-              <a:t>baseTextSize: 22</a:t>
-            </a:r>
-          </a:p>
-          <a:p>
-            <a:pPr lvl="1"/>
-            <a:r>
-              <a:t>compactTables: 20</a:t>
-            </a:r>
-          </a:p>
-          <a:p>
-            <a:pPr lvl="1"/>
-            <a:r>
-              <a:t>numbers: no</a:t>
-            </a:r>
-          </a:p>
-          <a:p>
-            <a:pPr lvl="1"/>
-            <a:r>
-              <a:t>style.fgcolor.blue: 0000FF</a:t>
-            </a:r>
-          </a:p>
-          <a:p>
-            <a:pPr lvl="1"/>
-            <a:r>
-              <a:t>style.fgcolor.red: FF0000</a:t>
-            </a:r>
-          </a:p>
-          <a:p>
-            <a:pPr lvl="1"/>
-            <a:r>
-              <a:t>style.fgcolor.green: 00FF00</a:t>
-            </a:r>
-          </a:p>
-          <a:p>
-            <a:pPr lvl="1"/>
-            <a:r>
-              <a:t>style.fgcolor.purple: FF00FF</a:t>
-            </a:r>
+              <a:t>md2pptx Markdown To Powerpoint Converter 2.6.1+ 1 April, 2022</a:t>
+            </a:r>
+            <a:br/>
+            <a:r>
+              <a:t>Presentation built: 11:05 on 5 April, 2022</a:t>
+            </a:r>
+            <a:endParaRPr lang="en-GB"/>
           </a:p>
         </p:txBody>
       </p:sp>
@@ -3910,6 +4091,352 @@
           </a:p>
         </p:txBody>
       </p:sp>
+      <p:graphicFrame>
+        <p:nvGraphicFramePr>
+          <p:cNvPr id="6" name="Table 5"/>
+          <p:cNvGraphicFramePr>
+            <a:graphicFrameLocks noGrp="1"/>
+          </p:cNvGraphicFramePr>
+          <p:nvPr/>
+        </p:nvGraphicFramePr>
+        <p:xfrm>
+          <a:off x="182880" y="1016000"/>
+          <a:ext cx="11826240" cy="2286000"/>
+        </p:xfrm>
+        <a:graphic>
+          <a:graphicData uri="http://schemas.openxmlformats.org/drawingml/2006/table">
+            <a:tbl>
+              <a:tblPr bandRow="1">
+                <a:tableStyleId>{5C22544A-7EE6-4342-B048-85BDC9FD1C3A}</a:tableStyleId>
+              </a:tblPr>
+              <a:tblGrid>
+                <a:gridCol w="5913120"/>
+                <a:gridCol w="5913120"/>
+              </a:tblGrid>
+              <a:tr h="228600">
+                <a:tc>
+                  <a:txBody>
+                    <a:bodyPr/>
+                    <a:lstStyle/>
+                    <a:p>
+                      <a:pPr>
+                        <a:defRPr sz="1600"/>
+                      </a:pPr>
+                      <a:r>
+                        <a:t>template</a:t>
+                      </a:r>
+                    </a:p>
+                  </a:txBody>
+                  <a:tcPr/>
+                </a:tc>
+                <a:tc>
+                  <a:txBody>
+                    <a:bodyPr/>
+                    <a:lstStyle/>
+                    <a:p>
+                      <a:pPr>
+                        <a:defRPr sz="1600"/>
+                      </a:pPr>
+                      <a:r>
+                        <a:t>Martin Template.pptx</a:t>
+                      </a:r>
+                    </a:p>
+                  </a:txBody>
+                  <a:tcPr/>
+                </a:tc>
+              </a:tr>
+              <a:tr h="228600">
+                <a:tc>
+                  <a:txBody>
+                    <a:bodyPr/>
+                    <a:lstStyle/>
+                    <a:p>
+                      <a:pPr>
+                        <a:defRPr sz="1600"/>
+                      </a:pPr>
+                      <a:r>
+                        <a:t>pageTitleSize</a:t>
+                      </a:r>
+                    </a:p>
+                  </a:txBody>
+                  <a:tcPr/>
+                </a:tc>
+                <a:tc>
+                  <a:txBody>
+                    <a:bodyPr/>
+                    <a:lstStyle/>
+                    <a:p>
+                      <a:pPr>
+                        <a:defRPr sz="1600"/>
+                      </a:pPr>
+                      <a:r>
+                        <a:t>22</a:t>
+                      </a:r>
+                    </a:p>
+                  </a:txBody>
+                  <a:tcPr/>
+                </a:tc>
+              </a:tr>
+              <a:tr h="228600">
+                <a:tc>
+                  <a:txBody>
+                    <a:bodyPr/>
+                    <a:lstStyle/>
+                    <a:p>
+                      <a:pPr>
+                        <a:defRPr sz="1600"/>
+                      </a:pPr>
+                      <a:r>
+                        <a:t>sectionTitleSize</a:t>
+                      </a:r>
+                    </a:p>
+                  </a:txBody>
+                  <a:tcPr/>
+                </a:tc>
+                <a:tc>
+                  <a:txBody>
+                    <a:bodyPr/>
+                    <a:lstStyle/>
+                    <a:p>
+                      <a:pPr>
+                        <a:defRPr sz="1600"/>
+                      </a:pPr>
+                      <a:r>
+                        <a:t>30</a:t>
+                      </a:r>
+                    </a:p>
+                  </a:txBody>
+                  <a:tcPr/>
+                </a:tc>
+              </a:tr>
+              <a:tr h="228600">
+                <a:tc>
+                  <a:txBody>
+                    <a:bodyPr/>
+                    <a:lstStyle/>
+                    <a:p>
+                      <a:pPr>
+                        <a:defRPr sz="1600"/>
+                      </a:pPr>
+                      <a:r>
+                        <a:t>baseTextSize</a:t>
+                      </a:r>
+                    </a:p>
+                  </a:txBody>
+                  <a:tcPr/>
+                </a:tc>
+                <a:tc>
+                  <a:txBody>
+                    <a:bodyPr/>
+                    <a:lstStyle/>
+                    <a:p>
+                      <a:pPr>
+                        <a:defRPr sz="1600"/>
+                      </a:pPr>
+                      <a:r>
+                        <a:t>22</a:t>
+                      </a:r>
+                    </a:p>
+                  </a:txBody>
+                  <a:tcPr/>
+                </a:tc>
+              </a:tr>
+              <a:tr h="228600">
+                <a:tc>
+                  <a:txBody>
+                    <a:bodyPr/>
+                    <a:lstStyle/>
+                    <a:p>
+                      <a:pPr>
+                        <a:defRPr sz="1600"/>
+                      </a:pPr>
+                      <a:r>
+                        <a:t>compactTables</a:t>
+                      </a:r>
+                    </a:p>
+                  </a:txBody>
+                  <a:tcPr/>
+                </a:tc>
+                <a:tc>
+                  <a:txBody>
+                    <a:bodyPr/>
+                    <a:lstStyle/>
+                    <a:p>
+                      <a:pPr>
+                        <a:defRPr sz="1600"/>
+                      </a:pPr>
+                      <a:r>
+                        <a:t>20</a:t>
+                      </a:r>
+                    </a:p>
+                  </a:txBody>
+                  <a:tcPr/>
+                </a:tc>
+              </a:tr>
+              <a:tr h="228600">
+                <a:tc>
+                  <a:txBody>
+                    <a:bodyPr/>
+                    <a:lstStyle/>
+                    <a:p>
+                      <a:pPr>
+                        <a:defRPr sz="1600"/>
+                      </a:pPr>
+                      <a:r>
+                        <a:t>numbers</a:t>
+                      </a:r>
+                    </a:p>
+                  </a:txBody>
+                  <a:tcPr/>
+                </a:tc>
+                <a:tc>
+                  <a:txBody>
+                    <a:bodyPr/>
+                    <a:lstStyle/>
+                    <a:p>
+                      <a:pPr>
+                        <a:defRPr sz="1600"/>
+                      </a:pPr>
+                      <a:r>
+                        <a:t>no</a:t>
+                      </a:r>
+                    </a:p>
+                  </a:txBody>
+                  <a:tcPr/>
+                </a:tc>
+              </a:tr>
+              <a:tr h="228600">
+                <a:tc>
+                  <a:txBody>
+                    <a:bodyPr/>
+                    <a:lstStyle/>
+                    <a:p>
+                      <a:pPr>
+                        <a:defRPr sz="1600"/>
+                      </a:pPr>
+                      <a:r>
+                        <a:t>style.fgcolor.blue</a:t>
+                      </a:r>
+                    </a:p>
+                  </a:txBody>
+                  <a:tcPr/>
+                </a:tc>
+                <a:tc>
+                  <a:txBody>
+                    <a:bodyPr/>
+                    <a:lstStyle/>
+                    <a:p>
+                      <a:pPr>
+                        <a:defRPr sz="1600"/>
+                      </a:pPr>
+                      <a:r>
+                        <a:t>0000FF</a:t>
+                      </a:r>
+                    </a:p>
+                  </a:txBody>
+                  <a:tcPr/>
+                </a:tc>
+              </a:tr>
+              <a:tr h="228600">
+                <a:tc>
+                  <a:txBody>
+                    <a:bodyPr/>
+                    <a:lstStyle/>
+                    <a:p>
+                      <a:pPr>
+                        <a:defRPr sz="1600"/>
+                      </a:pPr>
+                      <a:r>
+                        <a:t>style.fgcolor.red</a:t>
+                      </a:r>
+                    </a:p>
+                  </a:txBody>
+                  <a:tcPr/>
+                </a:tc>
+                <a:tc>
+                  <a:txBody>
+                    <a:bodyPr/>
+                    <a:lstStyle/>
+                    <a:p>
+                      <a:pPr>
+                        <a:defRPr sz="1600"/>
+                      </a:pPr>
+                      <a:r>
+                        <a:t>FF0000</a:t>
+                      </a:r>
+                    </a:p>
+                  </a:txBody>
+                  <a:tcPr/>
+                </a:tc>
+              </a:tr>
+              <a:tr h="228600">
+                <a:tc>
+                  <a:txBody>
+                    <a:bodyPr/>
+                    <a:lstStyle/>
+                    <a:p>
+                      <a:pPr>
+                        <a:defRPr sz="1600"/>
+                      </a:pPr>
+                      <a:r>
+                        <a:t>style.fgcolor.green</a:t>
+                      </a:r>
+                    </a:p>
+                  </a:txBody>
+                  <a:tcPr/>
+                </a:tc>
+                <a:tc>
+                  <a:txBody>
+                    <a:bodyPr/>
+                    <a:lstStyle/>
+                    <a:p>
+                      <a:pPr>
+                        <a:defRPr sz="1600"/>
+                      </a:pPr>
+                      <a:r>
+                        <a:t>00FF00</a:t>
+                      </a:r>
+                    </a:p>
+                  </a:txBody>
+                  <a:tcPr/>
+                </a:tc>
+              </a:tr>
+              <a:tr h="228600">
+                <a:tc>
+                  <a:txBody>
+                    <a:bodyPr/>
+                    <a:lstStyle/>
+                    <a:p>
+                      <a:pPr>
+                        <a:defRPr sz="1600"/>
+                      </a:pPr>
+                      <a:r>
+                        <a:t>style.fgcolor.purple</a:t>
+                      </a:r>
+                    </a:p>
+                  </a:txBody>
+                  <a:tcPr/>
+                </a:tc>
+                <a:tc>
+                  <a:txBody>
+                    <a:bodyPr/>
+                    <a:lstStyle/>
+                    <a:p>
+                      <a:pPr>
+                        <a:defRPr sz="1600"/>
+                      </a:pPr>
+                      <a:r>
+                        <a:t>FF00FF</a:t>
+                      </a:r>
+                    </a:p>
+                  </a:txBody>
+                  <a:tcPr/>
+                </a:tc>
+              </a:tr>
+            </a:tbl>
+          </a:graphicData>
+        </a:graphic>
+      </p:graphicFrame>
     </p:spTree>
   </p:cSld>
   <p:clrMapOvr>
@@ -3971,6 +4498,10 @@
               <a:defRPr sz="2800"/>
             </a:pPr>
             <a:r>
+              <a:t># Full Presentation</a:t>
+            </a:r>
+            <a:br/>
+            <a:r>
               <a:t>Martin Packer, IBM</a:t>
             </a:r>
           </a:p>
@@ -4004,12 +4535,7 @@
             <p:ph type="title"/>
           </p:nvPr>
         </p:nvSpPr>
-        <p:spPr>
-          <a:xfrm>
-            <a:off x="182880" y="3238500"/>
-            <a:ext cx="11826240" cy="381000"/>
-          </a:xfrm>
-        </p:spPr>
+        <p:spPr/>
         <p:txBody>
           <a:bodyPr/>
           <a:lstStyle/>
@@ -4041,8 +4567,10 @@
             <a:pPr>
               <a:defRPr sz="2800"/>
             </a:pPr>
-          </a:p>
-          <a:p/>
+            <a:r>
+              <a:t>## Some Additional WLM-Related Information</a:t>
+            </a:r>
+          </a:p>
         </p:txBody>
       </p:sp>
     </p:spTree>
@@ -4111,8 +4639,8 @@
         </p:nvSpPr>
         <p:spPr>
           <a:xfrm>
-            <a:off x="457200" y="919480"/>
-            <a:ext cx="11277600" cy="5481320"/>
+            <a:off x="182880" y="736600"/>
+            <a:ext cx="11826240" cy="5755640"/>
           </a:xfrm>
         </p:spPr>
         <p:txBody>
@@ -4169,60 +4697,60 @@
             </a:r>
           </a:p>
           <a:p>
+            <a:pPr lvl="1">
+              <a:defRPr sz="2000"/>
+            </a:pPr>
+            <a:r>
+              <a:t/>
+            </a:r>
+            <a:r>
+              <a:rPr i="1"/>
+              <a:t>0</a:t>
+            </a:r>
+            <a:r>
+              <a:t> means Dispatching Priority 254 (FE)</a:t>
+            </a:r>
+          </a:p>
+          <a:p>
+            <a:pPr lvl="1">
+              <a:defRPr sz="2000"/>
+            </a:pPr>
+            <a:r>
+              <a:t/>
+            </a:r>
+            <a:r>
+              <a:rPr i="1"/>
+              <a:t>1</a:t>
+            </a:r>
+            <a:r>
+              <a:t> ,</a:t>
+            </a:r>
+            <a:r>
+              <a:rPr i="1"/>
+              <a:t>2</a:t>
+            </a:r>
+            <a:r>
+              <a:t>, or </a:t>
+            </a:r>
+            <a:r>
+              <a:rPr i="1"/>
+              <a:t>3</a:t>
+            </a:r>
+            <a:r>
+              <a:t> — Defines that the initiator dispatching priority has to be lower than the dispatching priority for CPU critical work with the same or a higher importance level</a:t>
+            </a:r>
+          </a:p>
+          <a:p>
             <a:pPr lvl="2">
               <a:defRPr sz="1800"/>
             </a:pPr>
             <a:r>
-              <a:t/>
-            </a:r>
-            <a:r>
-              <a:rPr i="1"/>
-              <a:t>0</a:t>
-            </a:r>
-            <a:r>
-              <a:t> means Dispatching Priority 254 (FE)</a:t>
-            </a:r>
-          </a:p>
-          <a:p>
-            <a:pPr lvl="2">
-              <a:defRPr sz="1800"/>
-            </a:pPr>
-            <a:r>
-              <a:t/>
-            </a:r>
-            <a:r>
-              <a:rPr i="1"/>
-              <a:t>1</a:t>
-            </a:r>
-            <a:r>
-              <a:t> ,</a:t>
-            </a:r>
-            <a:r>
-              <a:rPr i="1"/>
-              <a:t>2</a:t>
-            </a:r>
-            <a:r>
-              <a:t>, or </a:t>
-            </a:r>
-            <a:r>
-              <a:rPr i="1"/>
-              <a:t>3</a:t>
-            </a:r>
-            <a:r>
-              <a:t> — Defines that the initiator dispatching priority has to be lower than the dispatching priority for CPU critical work with the same or a higher importance level</a:t>
-            </a:r>
-          </a:p>
-          <a:p>
-            <a:pPr lvl="4">
-              <a:defRPr sz="1400"/>
-            </a:pPr>
-            <a:r>
               <a:t>If no service class with the CPU critical attribute and a corresponding or higher importance level is defined in the WLM policy, the dispatching priority is calculated in the same way as for parameter INITIMP=E</a:t>
             </a:r>
           </a:p>
           <a:p>
-            <a:pPr lvl="2">
-              <a:defRPr sz="1800"/>
+            <a:pPr lvl="1">
+              <a:defRPr sz="2000"/>
             </a:pPr>
             <a:r>
               <a:t/>
@@ -4301,7 +4829,7 @@
           <p:nvPr/>
         </p:nvGraphicFramePr>
         <p:xfrm>
-          <a:off x="182880" y="919480"/>
+          <a:off x="182880" y="736600"/>
           <a:ext cx="11826240" cy="3429000"/>
         </p:xfrm>
         <a:graphic>
@@ -4316,7 +4844,7 @@
                 <a:gridCol w="3942080"/>
                 <a:gridCol w="1971040"/>
               </a:tblGrid>
-              <a:tr h="228600">
+              <a:tr h="0">
                 <a:tc>
                   <a:txBody>
                     <a:bodyPr/>
@@ -4378,7 +4906,7 @@
                   <a:tcPr marT="0" marB="0"/>
                 </a:tc>
               </a:tr>
-              <a:tr h="228600">
+              <a:tr h="0">
                 <a:tc>
                   <a:txBody>
                     <a:bodyPr/>
@@ -4444,7 +4972,7 @@
                   <a:tcPr marT="0" marB="0"/>
                 </a:tc>
               </a:tr>
-              <a:tr h="228600">
+              <a:tr h="0">
                 <a:tc>
                   <a:txBody>
                     <a:bodyPr/>
@@ -4506,7 +5034,7 @@
                   <a:tcPr marT="0" marB="0"/>
                 </a:tc>
               </a:tr>
-              <a:tr h="228600">
+              <a:tr h="0">
                 <a:tc>
                   <a:txBody>
                     <a:bodyPr/>
@@ -4568,7 +5096,7 @@
                   <a:tcPr marT="0" marB="0"/>
                 </a:tc>
               </a:tr>
-              <a:tr h="228600">
+              <a:tr h="0">
                 <a:tc>
                   <a:txBody>
                     <a:bodyPr/>
@@ -4630,7 +5158,7 @@
                   <a:tcPr marT="0" marB="0"/>
                 </a:tc>
               </a:tr>
-              <a:tr h="228600">
+              <a:tr h="0">
                 <a:tc>
                   <a:txBody>
                     <a:bodyPr/>
@@ -4692,7 +5220,7 @@
                   <a:tcPr marT="0" marB="0"/>
                 </a:tc>
               </a:tr>
-              <a:tr h="228600">
+              <a:tr h="0">
                 <a:tc>
                   <a:txBody>
                     <a:bodyPr/>
@@ -4758,7 +5286,7 @@
                   <a:tcPr marT="0" marB="0"/>
                 </a:tc>
               </a:tr>
-              <a:tr h="228600">
+              <a:tr h="0">
                 <a:tc>
                   <a:txBody>
                     <a:bodyPr/>
@@ -4820,7 +5348,7 @@
                   <a:tcPr marT="0" marB="0"/>
                 </a:tc>
               </a:tr>
-              <a:tr h="228600">
+              <a:tr h="0">
                 <a:tc>
                   <a:txBody>
                     <a:bodyPr/>
@@ -4882,7 +5410,7 @@
                   <a:tcPr marT="0" marB="0"/>
                 </a:tc>
               </a:tr>
-              <a:tr h="228600">
+              <a:tr h="0">
                 <a:tc>
                   <a:txBody>
                     <a:bodyPr/>
@@ -4944,7 +5472,7 @@
                   <a:tcPr marT="0" marB="0"/>
                 </a:tc>
               </a:tr>
-              <a:tr h="228600">
+              <a:tr h="0">
                 <a:tc>
                   <a:txBody>
                     <a:bodyPr/>
@@ -5006,7 +5534,7 @@
                   <a:tcPr marT="0" marB="0"/>
                 </a:tc>
               </a:tr>
-              <a:tr h="228600">
+              <a:tr h="0">
                 <a:tc>
                   <a:txBody>
                     <a:bodyPr/>
@@ -5068,7 +5596,7 @@
                   <a:tcPr marT="0" marB="0"/>
                 </a:tc>
               </a:tr>
-              <a:tr h="228600">
+              <a:tr h="0">
                 <a:tc>
                   <a:txBody>
                     <a:bodyPr/>
@@ -5130,7 +5658,7 @@
                   <a:tcPr marT="0" marB="0"/>
                 </a:tc>
               </a:tr>
-              <a:tr h="228600">
+              <a:tr h="0">
                 <a:tc>
                   <a:txBody>
                     <a:bodyPr/>
@@ -5196,7 +5724,7 @@
                   <a:tcPr marT="0" marB="0"/>
                 </a:tc>
               </a:tr>
-              <a:tr h="228600">
+              <a:tr h="0">
                 <a:tc>
                   <a:txBody>
                     <a:bodyPr/>
@@ -5329,8 +5857,8 @@
         </p:nvSpPr>
         <p:spPr>
           <a:xfrm>
-            <a:off x="457200" y="919480"/>
-            <a:ext cx="11277600" cy="5481320"/>
+            <a:off x="182880" y="736600"/>
+            <a:ext cx="11826240" cy="5755640"/>
           </a:xfrm>
         </p:spPr>
         <p:txBody>
